--- a/report wp3/ppt/9/PI-POST.pptx
+++ b/report wp3/ppt/9/PI-POST.pptx
@@ -288,7 +288,7 @@
           <a:p>
             <a:fld id="{F13597AC-2EA1-459D-821F-6F2828879C49}" type="datetimeFigureOut">
               <a:rPr lang="en-IN" smtClean="0"/>
-              <a:t>11-12-2023</a:t>
+              <a:t>02-01-2024</a:t>
             </a:fld>
             <a:endParaRPr lang="en-IN"/>
           </a:p>
@@ -1463,7 +1463,7 @@
           <a:p>
             <a:fld id="{A873F274-93A1-4A0A-B1FB-C1EBF7D9317E}" type="datetimeFigureOut">
               <a:rPr lang="en-IN" smtClean="0"/>
-              <a:t>11-12-2023</a:t>
+              <a:t>02-01-2024</a:t>
             </a:fld>
             <a:endParaRPr lang="en-IN"/>
           </a:p>
@@ -1663,7 +1663,7 @@
           <a:p>
             <a:fld id="{A873F274-93A1-4A0A-B1FB-C1EBF7D9317E}" type="datetimeFigureOut">
               <a:rPr lang="en-IN" smtClean="0"/>
-              <a:t>11-12-2023</a:t>
+              <a:t>02-01-2024</a:t>
             </a:fld>
             <a:endParaRPr lang="en-IN"/>
           </a:p>
@@ -1873,7 +1873,7 @@
           <a:p>
             <a:fld id="{A873F274-93A1-4A0A-B1FB-C1EBF7D9317E}" type="datetimeFigureOut">
               <a:rPr lang="en-IN" smtClean="0"/>
-              <a:t>11-12-2023</a:t>
+              <a:t>02-01-2024</a:t>
             </a:fld>
             <a:endParaRPr lang="en-IN"/>
           </a:p>
@@ -2073,7 +2073,7 @@
           <a:p>
             <a:fld id="{A873F274-93A1-4A0A-B1FB-C1EBF7D9317E}" type="datetimeFigureOut">
               <a:rPr lang="en-IN" smtClean="0"/>
-              <a:t>11-12-2023</a:t>
+              <a:t>02-01-2024</a:t>
             </a:fld>
             <a:endParaRPr lang="en-IN"/>
           </a:p>
@@ -2349,7 +2349,7 @@
           <a:p>
             <a:fld id="{A873F274-93A1-4A0A-B1FB-C1EBF7D9317E}" type="datetimeFigureOut">
               <a:rPr lang="en-IN" smtClean="0"/>
-              <a:t>11-12-2023</a:t>
+              <a:t>02-01-2024</a:t>
             </a:fld>
             <a:endParaRPr lang="en-IN"/>
           </a:p>
@@ -2617,7 +2617,7 @@
           <a:p>
             <a:fld id="{A873F274-93A1-4A0A-B1FB-C1EBF7D9317E}" type="datetimeFigureOut">
               <a:rPr lang="en-IN" smtClean="0"/>
-              <a:t>11-12-2023</a:t>
+              <a:t>02-01-2024</a:t>
             </a:fld>
             <a:endParaRPr lang="en-IN"/>
           </a:p>
@@ -3032,7 +3032,7 @@
           <a:p>
             <a:fld id="{A873F274-93A1-4A0A-B1FB-C1EBF7D9317E}" type="datetimeFigureOut">
               <a:rPr lang="en-IN" smtClean="0"/>
-              <a:t>11-12-2023</a:t>
+              <a:t>02-01-2024</a:t>
             </a:fld>
             <a:endParaRPr lang="en-IN"/>
           </a:p>
@@ -3174,7 +3174,7 @@
           <a:p>
             <a:fld id="{A873F274-93A1-4A0A-B1FB-C1EBF7D9317E}" type="datetimeFigureOut">
               <a:rPr lang="en-IN" smtClean="0"/>
-              <a:t>11-12-2023</a:t>
+              <a:t>02-01-2024</a:t>
             </a:fld>
             <a:endParaRPr lang="en-IN"/>
           </a:p>
@@ -3287,7 +3287,7 @@
           <a:p>
             <a:fld id="{A873F274-93A1-4A0A-B1FB-C1EBF7D9317E}" type="datetimeFigureOut">
               <a:rPr lang="en-IN" smtClean="0"/>
-              <a:t>11-12-2023</a:t>
+              <a:t>02-01-2024</a:t>
             </a:fld>
             <a:endParaRPr lang="en-IN"/>
           </a:p>
@@ -3600,7 +3600,7 @@
           <a:p>
             <a:fld id="{A873F274-93A1-4A0A-B1FB-C1EBF7D9317E}" type="datetimeFigureOut">
               <a:rPr lang="en-IN" smtClean="0"/>
-              <a:t>11-12-2023</a:t>
+              <a:t>02-01-2024</a:t>
             </a:fld>
             <a:endParaRPr lang="en-IN"/>
           </a:p>
@@ -3889,7 +3889,7 @@
           <a:p>
             <a:fld id="{A873F274-93A1-4A0A-B1FB-C1EBF7D9317E}" type="datetimeFigureOut">
               <a:rPr lang="en-IN" smtClean="0"/>
-              <a:t>11-12-2023</a:t>
+              <a:t>02-01-2024</a:t>
             </a:fld>
             <a:endParaRPr lang="en-IN"/>
           </a:p>
@@ -4132,7 +4132,7 @@
           <a:p>
             <a:fld id="{A873F274-93A1-4A0A-B1FB-C1EBF7D9317E}" type="datetimeFigureOut">
               <a:rPr lang="en-IN" smtClean="0"/>
-              <a:t>11-12-2023</a:t>
+              <a:t>02-01-2024</a:t>
             </a:fld>
             <a:endParaRPr lang="en-IN"/>
           </a:p>
@@ -6207,50 +6207,6 @@
           <a:chExt cx="0" cy="0"/>
         </a:xfrm>
       </p:grpSpPr>
-      <p:sp>
-        <p:nvSpPr>
-          <p:cNvPr id="53" name="Rectangle 52">
-            <a:extLst>
-              <a:ext uri="{FF2B5EF4-FFF2-40B4-BE49-F238E27FC236}">
-                <a16:creationId xmlns:a16="http://schemas.microsoft.com/office/drawing/2014/main" id="{8467C847-9303-A972-AE40-B26CA086BFD0}"/>
-              </a:ext>
-            </a:extLst>
-          </p:cNvPr>
-          <p:cNvSpPr/>
-          <p:nvPr/>
-        </p:nvSpPr>
-        <p:spPr>
-          <a:xfrm>
-            <a:off x="2879916" y="2239561"/>
-            <a:ext cx="2272184" cy="2297294"/>
-          </a:xfrm>
-          <a:prstGeom prst="rect">
-            <a:avLst/>
-          </a:prstGeom>
-        </p:spPr>
-        <p:style>
-          <a:lnRef idx="2">
-            <a:schemeClr val="accent2"/>
-          </a:lnRef>
-          <a:fillRef idx="1">
-            <a:schemeClr val="lt1"/>
-          </a:fillRef>
-          <a:effectRef idx="0">
-            <a:schemeClr val="accent2"/>
-          </a:effectRef>
-          <a:fontRef idx="minor">
-            <a:schemeClr val="dk1"/>
-          </a:fontRef>
-        </p:style>
-        <p:txBody>
-          <a:bodyPr rtlCol="0" anchor="ctr"/>
-          <a:lstStyle/>
-          <a:p>
-            <a:pPr algn="ctr"/>
-            <a:endParaRPr lang="en-IN" dirty="0"/>
-          </a:p>
-        </p:txBody>
-      </p:sp>
       <p:pic>
         <p:nvPicPr>
           <p:cNvPr id="92" name="Google Shape;92;p3"/>
@@ -6383,10 +6339,10 @@
       </p:cxnSp>
       <p:grpSp>
         <p:nvGrpSpPr>
-          <p:cNvPr id="52" name="Group 51">
+          <p:cNvPr id="2" name="Group 1">
             <a:extLst>
               <a:ext uri="{FF2B5EF4-FFF2-40B4-BE49-F238E27FC236}">
-                <a16:creationId xmlns:a16="http://schemas.microsoft.com/office/drawing/2014/main" id="{466F9F88-768C-FA0E-07C4-F79D16643E02}"/>
+                <a16:creationId xmlns:a16="http://schemas.microsoft.com/office/drawing/2014/main" id="{31E734D9-F9E3-D20F-DDD0-03C601277C81}"/>
               </a:ext>
             </a:extLst>
           </p:cNvPr>
@@ -6395,18 +6351,18 @@
         </p:nvGrpSpPr>
         <p:grpSpPr>
           <a:xfrm>
-            <a:off x="2967075" y="1577878"/>
-            <a:ext cx="2040194" cy="5136187"/>
-            <a:chOff x="2593449" y="1577878"/>
-            <a:chExt cx="2040194" cy="5136187"/>
+            <a:off x="2879916" y="1577878"/>
+            <a:ext cx="5029963" cy="5136187"/>
+            <a:chOff x="2879916" y="1577878"/>
+            <a:chExt cx="5029963" cy="5136187"/>
           </a:xfrm>
         </p:grpSpPr>
         <p:sp>
           <p:nvSpPr>
-            <p:cNvPr id="3" name="Oval 2">
+            <p:cNvPr id="53" name="Rectangle 52">
               <a:extLst>
                 <a:ext uri="{FF2B5EF4-FFF2-40B4-BE49-F238E27FC236}">
-                  <a16:creationId xmlns:a16="http://schemas.microsoft.com/office/drawing/2014/main" id="{85B8FB5C-1FFF-08B6-4D87-698D648EE324}"/>
+                  <a16:creationId xmlns:a16="http://schemas.microsoft.com/office/drawing/2014/main" id="{8467C847-9303-A972-AE40-B26CA086BFD0}"/>
                 </a:ext>
               </a:extLst>
             </p:cNvPr>
@@ -6415,22 +6371,22 @@
           </p:nvSpPr>
           <p:spPr>
             <a:xfrm>
-              <a:off x="2593449" y="1577878"/>
-              <a:ext cx="2040194" cy="580102"/>
+              <a:off x="2879916" y="2239561"/>
+              <a:ext cx="2272184" cy="2297294"/>
             </a:xfrm>
-            <a:prstGeom prst="ellipse">
+            <a:prstGeom prst="rect">
               <a:avLst/>
             </a:prstGeom>
           </p:spPr>
           <p:style>
-            <a:lnRef idx="1">
-              <a:schemeClr val="accent3"/>
+            <a:lnRef idx="2">
+              <a:schemeClr val="accent2"/>
             </a:lnRef>
-            <a:fillRef idx="2">
-              <a:schemeClr val="accent3"/>
+            <a:fillRef idx="1">
+              <a:schemeClr val="lt1"/>
             </a:fillRef>
-            <a:effectRef idx="1">
-              <a:schemeClr val="accent3"/>
+            <a:effectRef idx="0">
+              <a:schemeClr val="accent2"/>
             </a:effectRef>
             <a:fontRef idx="minor">
               <a:schemeClr val="dk1"/>
@@ -6441,591 +6397,656 @@
             <a:lstStyle/>
             <a:p>
               <a:pPr algn="ctr"/>
-              <a:r>
-                <a:rPr lang="en-IE" sz="1200" b="1" dirty="0"/>
-                <a:t>Metadata ID</a:t>
-              </a:r>
-              <a:endParaRPr lang="en-IN" sz="1200" b="1" dirty="0"/>
+              <a:endParaRPr lang="en-IN" dirty="0"/>
             </a:p>
           </p:txBody>
         </p:sp>
-        <p:sp>
-          <p:nvSpPr>
-            <p:cNvPr id="4" name="Oval 3">
+        <p:grpSp>
+          <p:nvGrpSpPr>
+            <p:cNvPr id="52" name="Group 51">
               <a:extLst>
                 <a:ext uri="{FF2B5EF4-FFF2-40B4-BE49-F238E27FC236}">
-                  <a16:creationId xmlns:a16="http://schemas.microsoft.com/office/drawing/2014/main" id="{208C8D99-53CE-4EC6-E398-DCE91E27851F}"/>
+                  <a16:creationId xmlns:a16="http://schemas.microsoft.com/office/drawing/2014/main" id="{466F9F88-768C-FA0E-07C4-F79D16643E02}"/>
                 </a:ext>
               </a:extLst>
             </p:cNvPr>
-            <p:cNvSpPr/>
+            <p:cNvGrpSpPr/>
+            <p:nvPr/>
+          </p:nvGrpSpPr>
+          <p:grpSpPr>
+            <a:xfrm>
+              <a:off x="2967075" y="1577878"/>
+              <a:ext cx="2040194" cy="5136187"/>
+              <a:chOff x="2593449" y="1577878"/>
+              <a:chExt cx="2040194" cy="5136187"/>
+            </a:xfrm>
+          </p:grpSpPr>
+          <p:sp>
+            <p:nvSpPr>
+              <p:cNvPr id="3" name="Oval 2">
+                <a:extLst>
+                  <a:ext uri="{FF2B5EF4-FFF2-40B4-BE49-F238E27FC236}">
+                    <a16:creationId xmlns:a16="http://schemas.microsoft.com/office/drawing/2014/main" id="{85B8FB5C-1FFF-08B6-4D87-698D648EE324}"/>
+                  </a:ext>
+                </a:extLst>
+              </p:cNvPr>
+              <p:cNvSpPr/>
+              <p:nvPr/>
+            </p:nvSpPr>
+            <p:spPr>
+              <a:xfrm>
+                <a:off x="2593449" y="1577878"/>
+                <a:ext cx="2040194" cy="580102"/>
+              </a:xfrm>
+              <a:prstGeom prst="ellipse">
+                <a:avLst/>
+              </a:prstGeom>
+            </p:spPr>
+            <p:style>
+              <a:lnRef idx="1">
+                <a:schemeClr val="accent3"/>
+              </a:lnRef>
+              <a:fillRef idx="2">
+                <a:schemeClr val="accent3"/>
+              </a:fillRef>
+              <a:effectRef idx="1">
+                <a:schemeClr val="accent3"/>
+              </a:effectRef>
+              <a:fontRef idx="minor">
+                <a:schemeClr val="dk1"/>
+              </a:fontRef>
+            </p:style>
+            <p:txBody>
+              <a:bodyPr rtlCol="0" anchor="ctr"/>
+              <a:lstStyle/>
+              <a:p>
+                <a:pPr algn="ctr"/>
+                <a:r>
+                  <a:rPr lang="en-IE" sz="1200" b="1" dirty="0"/>
+                  <a:t>Metadata ID</a:t>
+                </a:r>
+                <a:endParaRPr lang="en-IN" sz="1200" b="1" dirty="0"/>
+              </a:p>
+            </p:txBody>
+          </p:sp>
+          <p:sp>
+            <p:nvSpPr>
+              <p:cNvPr id="4" name="Oval 3">
+                <a:extLst>
+                  <a:ext uri="{FF2B5EF4-FFF2-40B4-BE49-F238E27FC236}">
+                    <a16:creationId xmlns:a16="http://schemas.microsoft.com/office/drawing/2014/main" id="{208C8D99-53CE-4EC6-E398-DCE91E27851F}"/>
+                  </a:ext>
+                </a:extLst>
+              </p:cNvPr>
+              <p:cNvSpPr/>
+              <p:nvPr/>
+            </p:nvSpPr>
+            <p:spPr>
+              <a:xfrm>
+                <a:off x="2593449" y="2321142"/>
+                <a:ext cx="2040194" cy="580102"/>
+              </a:xfrm>
+              <a:prstGeom prst="ellipse">
+                <a:avLst/>
+              </a:prstGeom>
+            </p:spPr>
+            <p:style>
+              <a:lnRef idx="1">
+                <a:schemeClr val="accent3"/>
+              </a:lnRef>
+              <a:fillRef idx="2">
+                <a:schemeClr val="accent3"/>
+              </a:fillRef>
+              <a:effectRef idx="1">
+                <a:schemeClr val="accent3"/>
+              </a:effectRef>
+              <a:fontRef idx="minor">
+                <a:schemeClr val="dk1"/>
+              </a:fontRef>
+            </p:style>
+            <p:txBody>
+              <a:bodyPr rtlCol="0" anchor="ctr"/>
+              <a:lstStyle/>
+              <a:p>
+                <a:pPr algn="ctr"/>
+                <a:r>
+                  <a:rPr lang="en-IE" sz="1200" b="1" dirty="0"/>
+                  <a:t>Fetch Metadata</a:t>
+                </a:r>
+                <a:endParaRPr lang="en-IN" sz="1200" b="1" dirty="0"/>
+              </a:p>
+            </p:txBody>
+          </p:sp>
+          <p:sp>
+            <p:nvSpPr>
+              <p:cNvPr id="5" name="Oval 4">
+                <a:extLst>
+                  <a:ext uri="{FF2B5EF4-FFF2-40B4-BE49-F238E27FC236}">
+                    <a16:creationId xmlns:a16="http://schemas.microsoft.com/office/drawing/2014/main" id="{27B47BB0-AB28-180C-BEC4-AE2C61F381E4}"/>
+                  </a:ext>
+                </a:extLst>
+              </p:cNvPr>
+              <p:cNvSpPr/>
+              <p:nvPr/>
+            </p:nvSpPr>
+            <p:spPr>
+              <a:xfrm>
+                <a:off x="2593449" y="3100661"/>
+                <a:ext cx="2040194" cy="580102"/>
+              </a:xfrm>
+              <a:prstGeom prst="ellipse">
+                <a:avLst/>
+              </a:prstGeom>
+            </p:spPr>
+            <p:style>
+              <a:lnRef idx="1">
+                <a:schemeClr val="accent3"/>
+              </a:lnRef>
+              <a:fillRef idx="2">
+                <a:schemeClr val="accent3"/>
+              </a:fillRef>
+              <a:effectRef idx="1">
+                <a:schemeClr val="accent3"/>
+              </a:effectRef>
+              <a:fontRef idx="minor">
+                <a:schemeClr val="dk1"/>
+              </a:fontRef>
+            </p:style>
+            <p:txBody>
+              <a:bodyPr rtlCol="0" anchor="ctr"/>
+              <a:lstStyle/>
+              <a:p>
+                <a:pPr algn="ctr"/>
+                <a:r>
+                  <a:rPr lang="en-IE" sz="1200" b="1" dirty="0"/>
+                  <a:t>Fetch data</a:t>
+                </a:r>
+                <a:endParaRPr lang="en-IN" sz="1200" b="1" dirty="0"/>
+              </a:p>
+            </p:txBody>
+          </p:sp>
+          <p:sp>
+            <p:nvSpPr>
+              <p:cNvPr id="6" name="Oval 5">
+                <a:extLst>
+                  <a:ext uri="{FF2B5EF4-FFF2-40B4-BE49-F238E27FC236}">
+                    <a16:creationId xmlns:a16="http://schemas.microsoft.com/office/drawing/2014/main" id="{ABF17076-0FC5-1CCF-03C4-D1DE0D4F798E}"/>
+                  </a:ext>
+                </a:extLst>
+              </p:cNvPr>
+              <p:cNvSpPr/>
+              <p:nvPr/>
+            </p:nvSpPr>
+            <p:spPr>
+              <a:xfrm>
+                <a:off x="2593449" y="3884666"/>
+                <a:ext cx="2040194" cy="580102"/>
+              </a:xfrm>
+              <a:prstGeom prst="ellipse">
+                <a:avLst/>
+              </a:prstGeom>
+            </p:spPr>
+            <p:style>
+              <a:lnRef idx="1">
+                <a:schemeClr val="accent3"/>
+              </a:lnRef>
+              <a:fillRef idx="2">
+                <a:schemeClr val="accent3"/>
+              </a:fillRef>
+              <a:effectRef idx="1">
+                <a:schemeClr val="accent3"/>
+              </a:effectRef>
+              <a:fontRef idx="minor">
+                <a:schemeClr val="dk1"/>
+              </a:fontRef>
+            </p:style>
+            <p:txBody>
+              <a:bodyPr rtlCol="0" anchor="ctr"/>
+              <a:lstStyle/>
+              <a:p>
+                <a:pPr algn="ctr"/>
+                <a:r>
+                  <a:rPr lang="en-IE" sz="1200" b="1" dirty="0"/>
+                  <a:t>Data download</a:t>
+                </a:r>
+                <a:endParaRPr lang="en-IN" sz="1200" b="1" dirty="0"/>
+              </a:p>
+            </p:txBody>
+          </p:sp>
+          <p:sp>
+            <p:nvSpPr>
+              <p:cNvPr id="8" name="Oval 7">
+                <a:extLst>
+                  <a:ext uri="{FF2B5EF4-FFF2-40B4-BE49-F238E27FC236}">
+                    <a16:creationId xmlns:a16="http://schemas.microsoft.com/office/drawing/2014/main" id="{41ECB398-2E02-9191-5F93-864FAB4FBDC5}"/>
+                  </a:ext>
+                </a:extLst>
+              </p:cNvPr>
+              <p:cNvSpPr/>
+              <p:nvPr/>
+            </p:nvSpPr>
+            <p:spPr>
+              <a:xfrm>
+                <a:off x="2593449" y="4627207"/>
+                <a:ext cx="2040194" cy="580102"/>
+              </a:xfrm>
+              <a:prstGeom prst="ellipse">
+                <a:avLst/>
+              </a:prstGeom>
+            </p:spPr>
+            <p:style>
+              <a:lnRef idx="1">
+                <a:schemeClr val="accent3"/>
+              </a:lnRef>
+              <a:fillRef idx="2">
+                <a:schemeClr val="accent3"/>
+              </a:fillRef>
+              <a:effectRef idx="1">
+                <a:schemeClr val="accent3"/>
+              </a:effectRef>
+              <a:fontRef idx="minor">
+                <a:schemeClr val="dk1"/>
+              </a:fontRef>
+            </p:style>
+            <p:txBody>
+              <a:bodyPr rtlCol="0" anchor="ctr"/>
+              <a:lstStyle/>
+              <a:p>
+                <a:pPr algn="ctr"/>
+                <a:r>
+                  <a:rPr lang="en-IE" sz="1200" b="1" dirty="0"/>
+                  <a:t>Unzip data</a:t>
+                </a:r>
+                <a:endParaRPr lang="en-IN" sz="1200" b="1" dirty="0"/>
+              </a:p>
+            </p:txBody>
+          </p:sp>
+          <p:sp>
+            <p:nvSpPr>
+              <p:cNvPr id="10" name="Oval 9">
+                <a:extLst>
+                  <a:ext uri="{FF2B5EF4-FFF2-40B4-BE49-F238E27FC236}">
+                    <a16:creationId xmlns:a16="http://schemas.microsoft.com/office/drawing/2014/main" id="{7C9EE0AF-9926-DA05-0492-3A8DF1F1B1FE}"/>
+                  </a:ext>
+                </a:extLst>
+              </p:cNvPr>
+              <p:cNvSpPr/>
+              <p:nvPr/>
+            </p:nvSpPr>
+            <p:spPr>
+              <a:xfrm>
+                <a:off x="2593449" y="5380585"/>
+                <a:ext cx="2040194" cy="580102"/>
+              </a:xfrm>
+              <a:prstGeom prst="ellipse">
+                <a:avLst/>
+              </a:prstGeom>
+            </p:spPr>
+            <p:style>
+              <a:lnRef idx="1">
+                <a:schemeClr val="accent3"/>
+              </a:lnRef>
+              <a:fillRef idx="2">
+                <a:schemeClr val="accent3"/>
+              </a:fillRef>
+              <a:effectRef idx="1">
+                <a:schemeClr val="accent3"/>
+              </a:effectRef>
+              <a:fontRef idx="minor">
+                <a:schemeClr val="dk1"/>
+              </a:fontRef>
+            </p:style>
+            <p:txBody>
+              <a:bodyPr rtlCol="0" anchor="ctr"/>
+              <a:lstStyle/>
+              <a:p>
+                <a:pPr algn="ctr"/>
+                <a:r>
+                  <a:rPr lang="en-IE" sz="1200" b="1" dirty="0"/>
+                  <a:t>Process SDQ</a:t>
+                </a:r>
+                <a:endParaRPr lang="en-IN" sz="1200" b="1" dirty="0"/>
+              </a:p>
+            </p:txBody>
+          </p:sp>
+          <p:sp>
+            <p:nvSpPr>
+              <p:cNvPr id="15" name="Oval 14">
+                <a:extLst>
+                  <a:ext uri="{FF2B5EF4-FFF2-40B4-BE49-F238E27FC236}">
+                    <a16:creationId xmlns:a16="http://schemas.microsoft.com/office/drawing/2014/main" id="{B592EEF6-52BC-CF55-0B03-9970EFCC4205}"/>
+                  </a:ext>
+                </a:extLst>
+              </p:cNvPr>
+              <p:cNvSpPr/>
+              <p:nvPr/>
+            </p:nvSpPr>
+            <p:spPr>
+              <a:xfrm>
+                <a:off x="2593449" y="6133963"/>
+                <a:ext cx="2040194" cy="580102"/>
+              </a:xfrm>
+              <a:prstGeom prst="ellipse">
+                <a:avLst/>
+              </a:prstGeom>
+            </p:spPr>
+            <p:style>
+              <a:lnRef idx="1">
+                <a:schemeClr val="accent3"/>
+              </a:lnRef>
+              <a:fillRef idx="2">
+                <a:schemeClr val="accent3"/>
+              </a:fillRef>
+              <a:effectRef idx="1">
+                <a:schemeClr val="accent3"/>
+              </a:effectRef>
+              <a:fontRef idx="minor">
+                <a:schemeClr val="dk1"/>
+              </a:fontRef>
+            </p:style>
+            <p:txBody>
+              <a:bodyPr rtlCol="0" anchor="ctr"/>
+              <a:lstStyle/>
+              <a:p>
+                <a:pPr algn="ctr"/>
+                <a:r>
+                  <a:rPr lang="en-IE" sz="1200" b="1" dirty="0"/>
+                  <a:t>SDQ Report</a:t>
+                </a:r>
+                <a:endParaRPr lang="en-IN" sz="1200" b="1" dirty="0"/>
+              </a:p>
+            </p:txBody>
+          </p:sp>
+          <p:cxnSp>
+            <p:nvCxnSpPr>
+              <p:cNvPr id="17" name="Straight Arrow Connector 16">
+                <a:extLst>
+                  <a:ext uri="{FF2B5EF4-FFF2-40B4-BE49-F238E27FC236}">
+                    <a16:creationId xmlns:a16="http://schemas.microsoft.com/office/drawing/2014/main" id="{F1039B67-080A-60C1-3EF2-8B9B686CD36D}"/>
+                  </a:ext>
+                </a:extLst>
+              </p:cNvPr>
+              <p:cNvCxnSpPr>
+                <a:stCxn id="3" idx="4"/>
+                <a:endCxn id="4" idx="0"/>
+              </p:cNvCxnSpPr>
+              <p:nvPr/>
+            </p:nvCxnSpPr>
+            <p:spPr>
+              <a:xfrm>
+                <a:off x="3613546" y="2157980"/>
+                <a:ext cx="0" cy="163162"/>
+              </a:xfrm>
+              <a:prstGeom prst="straightConnector1">
+                <a:avLst/>
+              </a:prstGeom>
+              <a:ln>
+                <a:tailEnd type="triangle"/>
+              </a:ln>
+            </p:spPr>
+            <p:style>
+              <a:lnRef idx="1">
+                <a:schemeClr val="accent3"/>
+              </a:lnRef>
+              <a:fillRef idx="2">
+                <a:schemeClr val="accent3"/>
+              </a:fillRef>
+              <a:effectRef idx="1">
+                <a:schemeClr val="accent3"/>
+              </a:effectRef>
+              <a:fontRef idx="minor">
+                <a:schemeClr val="dk1"/>
+              </a:fontRef>
+            </p:style>
+          </p:cxnSp>
+          <p:cxnSp>
+            <p:nvCxnSpPr>
+              <p:cNvPr id="19" name="Straight Arrow Connector 18">
+                <a:extLst>
+                  <a:ext uri="{FF2B5EF4-FFF2-40B4-BE49-F238E27FC236}">
+                    <a16:creationId xmlns:a16="http://schemas.microsoft.com/office/drawing/2014/main" id="{BC3B1A1A-BC41-5D1C-8D07-0921C389EB64}"/>
+                  </a:ext>
+                </a:extLst>
+              </p:cNvPr>
+              <p:cNvCxnSpPr>
+                <a:stCxn id="4" idx="4"/>
+                <a:endCxn id="5" idx="0"/>
+              </p:cNvCxnSpPr>
+              <p:nvPr/>
+            </p:nvCxnSpPr>
+            <p:spPr>
+              <a:xfrm>
+                <a:off x="3613546" y="2901244"/>
+                <a:ext cx="0" cy="199417"/>
+              </a:xfrm>
+              <a:prstGeom prst="straightConnector1">
+                <a:avLst/>
+              </a:prstGeom>
+              <a:ln>
+                <a:tailEnd type="triangle"/>
+              </a:ln>
+            </p:spPr>
+            <p:style>
+              <a:lnRef idx="1">
+                <a:schemeClr val="accent3"/>
+              </a:lnRef>
+              <a:fillRef idx="2">
+                <a:schemeClr val="accent3"/>
+              </a:fillRef>
+              <a:effectRef idx="1">
+                <a:schemeClr val="accent3"/>
+              </a:effectRef>
+              <a:fontRef idx="minor">
+                <a:schemeClr val="dk1"/>
+              </a:fontRef>
+            </p:style>
+          </p:cxnSp>
+          <p:cxnSp>
+            <p:nvCxnSpPr>
+              <p:cNvPr id="21" name="Straight Arrow Connector 20">
+                <a:extLst>
+                  <a:ext uri="{FF2B5EF4-FFF2-40B4-BE49-F238E27FC236}">
+                    <a16:creationId xmlns:a16="http://schemas.microsoft.com/office/drawing/2014/main" id="{5EE5AE83-1F39-BEC1-30FC-21897034DCD6}"/>
+                  </a:ext>
+                </a:extLst>
+              </p:cNvPr>
+              <p:cNvCxnSpPr>
+                <a:stCxn id="5" idx="4"/>
+                <a:endCxn id="6" idx="0"/>
+              </p:cNvCxnSpPr>
+              <p:nvPr/>
+            </p:nvCxnSpPr>
+            <p:spPr>
+              <a:xfrm>
+                <a:off x="3613546" y="3680763"/>
+                <a:ext cx="0" cy="203903"/>
+              </a:xfrm>
+              <a:prstGeom prst="straightConnector1">
+                <a:avLst/>
+              </a:prstGeom>
+              <a:ln>
+                <a:tailEnd type="triangle"/>
+              </a:ln>
+            </p:spPr>
+            <p:style>
+              <a:lnRef idx="1">
+                <a:schemeClr val="accent3"/>
+              </a:lnRef>
+              <a:fillRef idx="2">
+                <a:schemeClr val="accent3"/>
+              </a:fillRef>
+              <a:effectRef idx="1">
+                <a:schemeClr val="accent3"/>
+              </a:effectRef>
+              <a:fontRef idx="minor">
+                <a:schemeClr val="dk1"/>
+              </a:fontRef>
+            </p:style>
+          </p:cxnSp>
+          <p:cxnSp>
+            <p:nvCxnSpPr>
+              <p:cNvPr id="24" name="Straight Arrow Connector 23">
+                <a:extLst>
+                  <a:ext uri="{FF2B5EF4-FFF2-40B4-BE49-F238E27FC236}">
+                    <a16:creationId xmlns:a16="http://schemas.microsoft.com/office/drawing/2014/main" id="{F6C9A10C-F736-B025-E314-AE0A8CE522CB}"/>
+                  </a:ext>
+                </a:extLst>
+              </p:cNvPr>
+              <p:cNvCxnSpPr>
+                <a:stCxn id="6" idx="4"/>
+                <a:endCxn id="8" idx="0"/>
+              </p:cNvCxnSpPr>
+              <p:nvPr/>
+            </p:nvCxnSpPr>
+            <p:spPr>
+              <a:xfrm>
+                <a:off x="3613546" y="4464768"/>
+                <a:ext cx="0" cy="162439"/>
+              </a:xfrm>
+              <a:prstGeom prst="straightConnector1">
+                <a:avLst/>
+              </a:prstGeom>
+              <a:ln>
+                <a:tailEnd type="triangle"/>
+              </a:ln>
+            </p:spPr>
+            <p:style>
+              <a:lnRef idx="1">
+                <a:schemeClr val="accent3"/>
+              </a:lnRef>
+              <a:fillRef idx="2">
+                <a:schemeClr val="accent3"/>
+              </a:fillRef>
+              <a:effectRef idx="1">
+                <a:schemeClr val="accent3"/>
+              </a:effectRef>
+              <a:fontRef idx="minor">
+                <a:schemeClr val="dk1"/>
+              </a:fontRef>
+            </p:style>
+          </p:cxnSp>
+          <p:cxnSp>
+            <p:nvCxnSpPr>
+              <p:cNvPr id="26" name="Straight Arrow Connector 25">
+                <a:extLst>
+                  <a:ext uri="{FF2B5EF4-FFF2-40B4-BE49-F238E27FC236}">
+                    <a16:creationId xmlns:a16="http://schemas.microsoft.com/office/drawing/2014/main" id="{9E28A440-A0ED-E5AA-DEA6-58D96B498595}"/>
+                  </a:ext>
+                </a:extLst>
+              </p:cNvPr>
+              <p:cNvCxnSpPr>
+                <a:stCxn id="8" idx="4"/>
+                <a:endCxn id="10" idx="0"/>
+              </p:cNvCxnSpPr>
+              <p:nvPr/>
+            </p:nvCxnSpPr>
+            <p:spPr>
+              <a:xfrm>
+                <a:off x="3613546" y="5207309"/>
+                <a:ext cx="0" cy="173276"/>
+              </a:xfrm>
+              <a:prstGeom prst="straightConnector1">
+                <a:avLst/>
+              </a:prstGeom>
+              <a:ln>
+                <a:tailEnd type="triangle"/>
+              </a:ln>
+            </p:spPr>
+            <p:style>
+              <a:lnRef idx="1">
+                <a:schemeClr val="accent3"/>
+              </a:lnRef>
+              <a:fillRef idx="2">
+                <a:schemeClr val="accent3"/>
+              </a:fillRef>
+              <a:effectRef idx="1">
+                <a:schemeClr val="accent3"/>
+              </a:effectRef>
+              <a:fontRef idx="minor">
+                <a:schemeClr val="dk1"/>
+              </a:fontRef>
+            </p:style>
+          </p:cxnSp>
+          <p:cxnSp>
+            <p:nvCxnSpPr>
+              <p:cNvPr id="29" name="Straight Arrow Connector 28">
+                <a:extLst>
+                  <a:ext uri="{FF2B5EF4-FFF2-40B4-BE49-F238E27FC236}">
+                    <a16:creationId xmlns:a16="http://schemas.microsoft.com/office/drawing/2014/main" id="{7F431068-FC84-F4C8-E955-978239FE3153}"/>
+                  </a:ext>
+                </a:extLst>
+              </p:cNvPr>
+              <p:cNvCxnSpPr>
+                <a:stCxn id="10" idx="4"/>
+                <a:endCxn id="15" idx="0"/>
+              </p:cNvCxnSpPr>
+              <p:nvPr/>
+            </p:nvCxnSpPr>
+            <p:spPr>
+              <a:xfrm>
+                <a:off x="3613546" y="5960687"/>
+                <a:ext cx="0" cy="173276"/>
+              </a:xfrm>
+              <a:prstGeom prst="straightConnector1">
+                <a:avLst/>
+              </a:prstGeom>
+              <a:ln>
+                <a:tailEnd type="triangle"/>
+              </a:ln>
+            </p:spPr>
+            <p:style>
+              <a:lnRef idx="1">
+                <a:schemeClr val="accent3"/>
+              </a:lnRef>
+              <a:fillRef idx="2">
+                <a:schemeClr val="accent3"/>
+              </a:fillRef>
+              <a:effectRef idx="1">
+                <a:schemeClr val="accent3"/>
+              </a:effectRef>
+              <a:fontRef idx="minor">
+                <a:schemeClr val="dk1"/>
+              </a:fontRef>
+            </p:style>
+          </p:cxnSp>
+        </p:grpSp>
+        <p:sp>
+          <p:nvSpPr>
+            <p:cNvPr id="54" name="TextBox 53">
+              <a:extLst>
+                <a:ext uri="{FF2B5EF4-FFF2-40B4-BE49-F238E27FC236}">
+                  <a16:creationId xmlns:a16="http://schemas.microsoft.com/office/drawing/2014/main" id="{1AA494AA-436A-8766-3692-BB3BC017FEF3}"/>
+                </a:ext>
+              </a:extLst>
+            </p:cNvPr>
+            <p:cNvSpPr txBox="1"/>
             <p:nvPr/>
           </p:nvSpPr>
           <p:spPr>
             <a:xfrm>
-              <a:off x="2593449" y="2321142"/>
-              <a:ext cx="2040194" cy="580102"/>
+              <a:off x="5094428" y="3100661"/>
+              <a:ext cx="2815451" cy="369332"/>
             </a:xfrm>
-            <a:prstGeom prst="ellipse">
+            <a:prstGeom prst="rect">
               <a:avLst/>
             </a:prstGeom>
+            <a:noFill/>
           </p:spPr>
-          <p:style>
-            <a:lnRef idx="1">
-              <a:schemeClr val="accent3"/>
-            </a:lnRef>
-            <a:fillRef idx="2">
-              <a:schemeClr val="accent3"/>
-            </a:fillRef>
-            <a:effectRef idx="1">
-              <a:schemeClr val="accent3"/>
-            </a:effectRef>
-            <a:fontRef idx="minor">
-              <a:schemeClr val="dk1"/>
-            </a:fontRef>
-          </p:style>
           <p:txBody>
-            <a:bodyPr rtlCol="0" anchor="ctr"/>
+            <a:bodyPr wrap="none" rtlCol="0">
+              <a:spAutoFit/>
+            </a:bodyPr>
             <a:lstStyle/>
             <a:p>
-              <a:pPr algn="ctr"/>
               <a:r>
-                <a:rPr lang="en-IE" sz="1200" b="1" dirty="0"/>
-                <a:t>Fetch Metadata</a:t>
+                <a:rPr lang="en-IE" dirty="0"/>
+                <a:t>Integration with Dell service</a:t>
               </a:r>
-              <a:endParaRPr lang="en-IN" sz="1200" b="1" dirty="0"/>
+              <a:endParaRPr lang="en-IN" dirty="0"/>
             </a:p>
           </p:txBody>
         </p:sp>
-        <p:sp>
-          <p:nvSpPr>
-            <p:cNvPr id="5" name="Oval 4">
-              <a:extLst>
-                <a:ext uri="{FF2B5EF4-FFF2-40B4-BE49-F238E27FC236}">
-                  <a16:creationId xmlns:a16="http://schemas.microsoft.com/office/drawing/2014/main" id="{27B47BB0-AB28-180C-BEC4-AE2C61F381E4}"/>
-                </a:ext>
-              </a:extLst>
-            </p:cNvPr>
-            <p:cNvSpPr/>
-            <p:nvPr/>
-          </p:nvSpPr>
-          <p:spPr>
-            <a:xfrm>
-              <a:off x="2593449" y="3100661"/>
-              <a:ext cx="2040194" cy="580102"/>
-            </a:xfrm>
-            <a:prstGeom prst="ellipse">
-              <a:avLst/>
-            </a:prstGeom>
-          </p:spPr>
-          <p:style>
-            <a:lnRef idx="1">
-              <a:schemeClr val="accent3"/>
-            </a:lnRef>
-            <a:fillRef idx="2">
-              <a:schemeClr val="accent3"/>
-            </a:fillRef>
-            <a:effectRef idx="1">
-              <a:schemeClr val="accent3"/>
-            </a:effectRef>
-            <a:fontRef idx="minor">
-              <a:schemeClr val="dk1"/>
-            </a:fontRef>
-          </p:style>
-          <p:txBody>
-            <a:bodyPr rtlCol="0" anchor="ctr"/>
-            <a:lstStyle/>
-            <a:p>
-              <a:pPr algn="ctr"/>
-              <a:r>
-                <a:rPr lang="en-IE" sz="1200" b="1" dirty="0"/>
-                <a:t>Fetch data</a:t>
-              </a:r>
-              <a:endParaRPr lang="en-IN" sz="1200" b="1" dirty="0"/>
-            </a:p>
-          </p:txBody>
-        </p:sp>
-        <p:sp>
-          <p:nvSpPr>
-            <p:cNvPr id="6" name="Oval 5">
-              <a:extLst>
-                <a:ext uri="{FF2B5EF4-FFF2-40B4-BE49-F238E27FC236}">
-                  <a16:creationId xmlns:a16="http://schemas.microsoft.com/office/drawing/2014/main" id="{ABF17076-0FC5-1CCF-03C4-D1DE0D4F798E}"/>
-                </a:ext>
-              </a:extLst>
-            </p:cNvPr>
-            <p:cNvSpPr/>
-            <p:nvPr/>
-          </p:nvSpPr>
-          <p:spPr>
-            <a:xfrm>
-              <a:off x="2593449" y="3884666"/>
-              <a:ext cx="2040194" cy="580102"/>
-            </a:xfrm>
-            <a:prstGeom prst="ellipse">
-              <a:avLst/>
-            </a:prstGeom>
-          </p:spPr>
-          <p:style>
-            <a:lnRef idx="1">
-              <a:schemeClr val="accent3"/>
-            </a:lnRef>
-            <a:fillRef idx="2">
-              <a:schemeClr val="accent3"/>
-            </a:fillRef>
-            <a:effectRef idx="1">
-              <a:schemeClr val="accent3"/>
-            </a:effectRef>
-            <a:fontRef idx="minor">
-              <a:schemeClr val="dk1"/>
-            </a:fontRef>
-          </p:style>
-          <p:txBody>
-            <a:bodyPr rtlCol="0" anchor="ctr"/>
-            <a:lstStyle/>
-            <a:p>
-              <a:pPr algn="ctr"/>
-              <a:r>
-                <a:rPr lang="en-IE" sz="1200" b="1" dirty="0"/>
-                <a:t>Data download</a:t>
-              </a:r>
-              <a:endParaRPr lang="en-IN" sz="1200" b="1" dirty="0"/>
-            </a:p>
-          </p:txBody>
-        </p:sp>
-        <p:sp>
-          <p:nvSpPr>
-            <p:cNvPr id="8" name="Oval 7">
-              <a:extLst>
-                <a:ext uri="{FF2B5EF4-FFF2-40B4-BE49-F238E27FC236}">
-                  <a16:creationId xmlns:a16="http://schemas.microsoft.com/office/drawing/2014/main" id="{41ECB398-2E02-9191-5F93-864FAB4FBDC5}"/>
-                </a:ext>
-              </a:extLst>
-            </p:cNvPr>
-            <p:cNvSpPr/>
-            <p:nvPr/>
-          </p:nvSpPr>
-          <p:spPr>
-            <a:xfrm>
-              <a:off x="2593449" y="4627207"/>
-              <a:ext cx="2040194" cy="580102"/>
-            </a:xfrm>
-            <a:prstGeom prst="ellipse">
-              <a:avLst/>
-            </a:prstGeom>
-          </p:spPr>
-          <p:style>
-            <a:lnRef idx="1">
-              <a:schemeClr val="accent3"/>
-            </a:lnRef>
-            <a:fillRef idx="2">
-              <a:schemeClr val="accent3"/>
-            </a:fillRef>
-            <a:effectRef idx="1">
-              <a:schemeClr val="accent3"/>
-            </a:effectRef>
-            <a:fontRef idx="minor">
-              <a:schemeClr val="dk1"/>
-            </a:fontRef>
-          </p:style>
-          <p:txBody>
-            <a:bodyPr rtlCol="0" anchor="ctr"/>
-            <a:lstStyle/>
-            <a:p>
-              <a:pPr algn="ctr"/>
-              <a:r>
-                <a:rPr lang="en-IE" sz="1200" b="1" dirty="0"/>
-                <a:t>Unzip data</a:t>
-              </a:r>
-              <a:endParaRPr lang="en-IN" sz="1200" b="1" dirty="0"/>
-            </a:p>
-          </p:txBody>
-        </p:sp>
-        <p:sp>
-          <p:nvSpPr>
-            <p:cNvPr id="10" name="Oval 9">
-              <a:extLst>
-                <a:ext uri="{FF2B5EF4-FFF2-40B4-BE49-F238E27FC236}">
-                  <a16:creationId xmlns:a16="http://schemas.microsoft.com/office/drawing/2014/main" id="{7C9EE0AF-9926-DA05-0492-3A8DF1F1B1FE}"/>
-                </a:ext>
-              </a:extLst>
-            </p:cNvPr>
-            <p:cNvSpPr/>
-            <p:nvPr/>
-          </p:nvSpPr>
-          <p:spPr>
-            <a:xfrm>
-              <a:off x="2593449" y="5380585"/>
-              <a:ext cx="2040194" cy="580102"/>
-            </a:xfrm>
-            <a:prstGeom prst="ellipse">
-              <a:avLst/>
-            </a:prstGeom>
-          </p:spPr>
-          <p:style>
-            <a:lnRef idx="1">
-              <a:schemeClr val="accent3"/>
-            </a:lnRef>
-            <a:fillRef idx="2">
-              <a:schemeClr val="accent3"/>
-            </a:fillRef>
-            <a:effectRef idx="1">
-              <a:schemeClr val="accent3"/>
-            </a:effectRef>
-            <a:fontRef idx="minor">
-              <a:schemeClr val="dk1"/>
-            </a:fontRef>
-          </p:style>
-          <p:txBody>
-            <a:bodyPr rtlCol="0" anchor="ctr"/>
-            <a:lstStyle/>
-            <a:p>
-              <a:pPr algn="ctr"/>
-              <a:r>
-                <a:rPr lang="en-IE" sz="1200" b="1" dirty="0"/>
-                <a:t>Process SDQ</a:t>
-              </a:r>
-              <a:endParaRPr lang="en-IN" sz="1200" b="1" dirty="0"/>
-            </a:p>
-          </p:txBody>
-        </p:sp>
-        <p:sp>
-          <p:nvSpPr>
-            <p:cNvPr id="15" name="Oval 14">
-              <a:extLst>
-                <a:ext uri="{FF2B5EF4-FFF2-40B4-BE49-F238E27FC236}">
-                  <a16:creationId xmlns:a16="http://schemas.microsoft.com/office/drawing/2014/main" id="{B592EEF6-52BC-CF55-0B03-9970EFCC4205}"/>
-                </a:ext>
-              </a:extLst>
-            </p:cNvPr>
-            <p:cNvSpPr/>
-            <p:nvPr/>
-          </p:nvSpPr>
-          <p:spPr>
-            <a:xfrm>
-              <a:off x="2593449" y="6133963"/>
-              <a:ext cx="2040194" cy="580102"/>
-            </a:xfrm>
-            <a:prstGeom prst="ellipse">
-              <a:avLst/>
-            </a:prstGeom>
-          </p:spPr>
-          <p:style>
-            <a:lnRef idx="1">
-              <a:schemeClr val="accent3"/>
-            </a:lnRef>
-            <a:fillRef idx="2">
-              <a:schemeClr val="accent3"/>
-            </a:fillRef>
-            <a:effectRef idx="1">
-              <a:schemeClr val="accent3"/>
-            </a:effectRef>
-            <a:fontRef idx="minor">
-              <a:schemeClr val="dk1"/>
-            </a:fontRef>
-          </p:style>
-          <p:txBody>
-            <a:bodyPr rtlCol="0" anchor="ctr"/>
-            <a:lstStyle/>
-            <a:p>
-              <a:pPr algn="ctr"/>
-              <a:r>
-                <a:rPr lang="en-IE" sz="1200" b="1" dirty="0"/>
-                <a:t>SDQ Report</a:t>
-              </a:r>
-              <a:endParaRPr lang="en-IN" sz="1200" b="1" dirty="0"/>
-            </a:p>
-          </p:txBody>
-        </p:sp>
-        <p:cxnSp>
-          <p:nvCxnSpPr>
-            <p:cNvPr id="17" name="Straight Arrow Connector 16">
-              <a:extLst>
-                <a:ext uri="{FF2B5EF4-FFF2-40B4-BE49-F238E27FC236}">
-                  <a16:creationId xmlns:a16="http://schemas.microsoft.com/office/drawing/2014/main" id="{F1039B67-080A-60C1-3EF2-8B9B686CD36D}"/>
-                </a:ext>
-              </a:extLst>
-            </p:cNvPr>
-            <p:cNvCxnSpPr>
-              <a:stCxn id="3" idx="4"/>
-              <a:endCxn id="4" idx="0"/>
-            </p:cNvCxnSpPr>
-            <p:nvPr/>
-          </p:nvCxnSpPr>
-          <p:spPr>
-            <a:xfrm>
-              <a:off x="3613546" y="2157980"/>
-              <a:ext cx="0" cy="163162"/>
-            </a:xfrm>
-            <a:prstGeom prst="straightConnector1">
-              <a:avLst/>
-            </a:prstGeom>
-            <a:ln>
-              <a:tailEnd type="triangle"/>
-            </a:ln>
-          </p:spPr>
-          <p:style>
-            <a:lnRef idx="1">
-              <a:schemeClr val="accent3"/>
-            </a:lnRef>
-            <a:fillRef idx="2">
-              <a:schemeClr val="accent3"/>
-            </a:fillRef>
-            <a:effectRef idx="1">
-              <a:schemeClr val="accent3"/>
-            </a:effectRef>
-            <a:fontRef idx="minor">
-              <a:schemeClr val="dk1"/>
-            </a:fontRef>
-          </p:style>
-        </p:cxnSp>
-        <p:cxnSp>
-          <p:nvCxnSpPr>
-            <p:cNvPr id="19" name="Straight Arrow Connector 18">
-              <a:extLst>
-                <a:ext uri="{FF2B5EF4-FFF2-40B4-BE49-F238E27FC236}">
-                  <a16:creationId xmlns:a16="http://schemas.microsoft.com/office/drawing/2014/main" id="{BC3B1A1A-BC41-5D1C-8D07-0921C389EB64}"/>
-                </a:ext>
-              </a:extLst>
-            </p:cNvPr>
-            <p:cNvCxnSpPr>
-              <a:stCxn id="4" idx="4"/>
-              <a:endCxn id="5" idx="0"/>
-            </p:cNvCxnSpPr>
-            <p:nvPr/>
-          </p:nvCxnSpPr>
-          <p:spPr>
-            <a:xfrm>
-              <a:off x="3613546" y="2901244"/>
-              <a:ext cx="0" cy="199417"/>
-            </a:xfrm>
-            <a:prstGeom prst="straightConnector1">
-              <a:avLst/>
-            </a:prstGeom>
-            <a:ln>
-              <a:tailEnd type="triangle"/>
-            </a:ln>
-          </p:spPr>
-          <p:style>
-            <a:lnRef idx="1">
-              <a:schemeClr val="accent3"/>
-            </a:lnRef>
-            <a:fillRef idx="2">
-              <a:schemeClr val="accent3"/>
-            </a:fillRef>
-            <a:effectRef idx="1">
-              <a:schemeClr val="accent3"/>
-            </a:effectRef>
-            <a:fontRef idx="minor">
-              <a:schemeClr val="dk1"/>
-            </a:fontRef>
-          </p:style>
-        </p:cxnSp>
-        <p:cxnSp>
-          <p:nvCxnSpPr>
-            <p:cNvPr id="21" name="Straight Arrow Connector 20">
-              <a:extLst>
-                <a:ext uri="{FF2B5EF4-FFF2-40B4-BE49-F238E27FC236}">
-                  <a16:creationId xmlns:a16="http://schemas.microsoft.com/office/drawing/2014/main" id="{5EE5AE83-1F39-BEC1-30FC-21897034DCD6}"/>
-                </a:ext>
-              </a:extLst>
-            </p:cNvPr>
-            <p:cNvCxnSpPr>
-              <a:stCxn id="5" idx="4"/>
-              <a:endCxn id="6" idx="0"/>
-            </p:cNvCxnSpPr>
-            <p:nvPr/>
-          </p:nvCxnSpPr>
-          <p:spPr>
-            <a:xfrm>
-              <a:off x="3613546" y="3680763"/>
-              <a:ext cx="0" cy="203903"/>
-            </a:xfrm>
-            <a:prstGeom prst="straightConnector1">
-              <a:avLst/>
-            </a:prstGeom>
-            <a:ln>
-              <a:tailEnd type="triangle"/>
-            </a:ln>
-          </p:spPr>
-          <p:style>
-            <a:lnRef idx="1">
-              <a:schemeClr val="accent3"/>
-            </a:lnRef>
-            <a:fillRef idx="2">
-              <a:schemeClr val="accent3"/>
-            </a:fillRef>
-            <a:effectRef idx="1">
-              <a:schemeClr val="accent3"/>
-            </a:effectRef>
-            <a:fontRef idx="minor">
-              <a:schemeClr val="dk1"/>
-            </a:fontRef>
-          </p:style>
-        </p:cxnSp>
-        <p:cxnSp>
-          <p:nvCxnSpPr>
-            <p:cNvPr id="24" name="Straight Arrow Connector 23">
-              <a:extLst>
-                <a:ext uri="{FF2B5EF4-FFF2-40B4-BE49-F238E27FC236}">
-                  <a16:creationId xmlns:a16="http://schemas.microsoft.com/office/drawing/2014/main" id="{F6C9A10C-F736-B025-E314-AE0A8CE522CB}"/>
-                </a:ext>
-              </a:extLst>
-            </p:cNvPr>
-            <p:cNvCxnSpPr>
-              <a:stCxn id="6" idx="4"/>
-              <a:endCxn id="8" idx="0"/>
-            </p:cNvCxnSpPr>
-            <p:nvPr/>
-          </p:nvCxnSpPr>
-          <p:spPr>
-            <a:xfrm>
-              <a:off x="3613546" y="4464768"/>
-              <a:ext cx="0" cy="162439"/>
-            </a:xfrm>
-            <a:prstGeom prst="straightConnector1">
-              <a:avLst/>
-            </a:prstGeom>
-            <a:ln>
-              <a:tailEnd type="triangle"/>
-            </a:ln>
-          </p:spPr>
-          <p:style>
-            <a:lnRef idx="1">
-              <a:schemeClr val="accent3"/>
-            </a:lnRef>
-            <a:fillRef idx="2">
-              <a:schemeClr val="accent3"/>
-            </a:fillRef>
-            <a:effectRef idx="1">
-              <a:schemeClr val="accent3"/>
-            </a:effectRef>
-            <a:fontRef idx="minor">
-              <a:schemeClr val="dk1"/>
-            </a:fontRef>
-          </p:style>
-        </p:cxnSp>
-        <p:cxnSp>
-          <p:nvCxnSpPr>
-            <p:cNvPr id="26" name="Straight Arrow Connector 25">
-              <a:extLst>
-                <a:ext uri="{FF2B5EF4-FFF2-40B4-BE49-F238E27FC236}">
-                  <a16:creationId xmlns:a16="http://schemas.microsoft.com/office/drawing/2014/main" id="{9E28A440-A0ED-E5AA-DEA6-58D96B498595}"/>
-                </a:ext>
-              </a:extLst>
-            </p:cNvPr>
-            <p:cNvCxnSpPr>
-              <a:stCxn id="8" idx="4"/>
-              <a:endCxn id="10" idx="0"/>
-            </p:cNvCxnSpPr>
-            <p:nvPr/>
-          </p:nvCxnSpPr>
-          <p:spPr>
-            <a:xfrm>
-              <a:off x="3613546" y="5207309"/>
-              <a:ext cx="0" cy="173276"/>
-            </a:xfrm>
-            <a:prstGeom prst="straightConnector1">
-              <a:avLst/>
-            </a:prstGeom>
-            <a:ln>
-              <a:tailEnd type="triangle"/>
-            </a:ln>
-          </p:spPr>
-          <p:style>
-            <a:lnRef idx="1">
-              <a:schemeClr val="accent3"/>
-            </a:lnRef>
-            <a:fillRef idx="2">
-              <a:schemeClr val="accent3"/>
-            </a:fillRef>
-            <a:effectRef idx="1">
-              <a:schemeClr val="accent3"/>
-            </a:effectRef>
-            <a:fontRef idx="minor">
-              <a:schemeClr val="dk1"/>
-            </a:fontRef>
-          </p:style>
-        </p:cxnSp>
-        <p:cxnSp>
-          <p:nvCxnSpPr>
-            <p:cNvPr id="29" name="Straight Arrow Connector 28">
-              <a:extLst>
-                <a:ext uri="{FF2B5EF4-FFF2-40B4-BE49-F238E27FC236}">
-                  <a16:creationId xmlns:a16="http://schemas.microsoft.com/office/drawing/2014/main" id="{7F431068-FC84-F4C8-E955-978239FE3153}"/>
-                </a:ext>
-              </a:extLst>
-            </p:cNvPr>
-            <p:cNvCxnSpPr>
-              <a:stCxn id="10" idx="4"/>
-              <a:endCxn id="15" idx="0"/>
-            </p:cNvCxnSpPr>
-            <p:nvPr/>
-          </p:nvCxnSpPr>
-          <p:spPr>
-            <a:xfrm>
-              <a:off x="3613546" y="5960687"/>
-              <a:ext cx="0" cy="173276"/>
-            </a:xfrm>
-            <a:prstGeom prst="straightConnector1">
-              <a:avLst/>
-            </a:prstGeom>
-            <a:ln>
-              <a:tailEnd type="triangle"/>
-            </a:ln>
-          </p:spPr>
-          <p:style>
-            <a:lnRef idx="1">
-              <a:schemeClr val="accent3"/>
-            </a:lnRef>
-            <a:fillRef idx="2">
-              <a:schemeClr val="accent3"/>
-            </a:fillRef>
-            <a:effectRef idx="1">
-              <a:schemeClr val="accent3"/>
-            </a:effectRef>
-            <a:fontRef idx="minor">
-              <a:schemeClr val="dk1"/>
-            </a:fontRef>
-          </p:style>
-        </p:cxnSp>
       </p:grpSp>
-      <p:sp>
-        <p:nvSpPr>
-          <p:cNvPr id="54" name="TextBox 53">
-            <a:extLst>
-              <a:ext uri="{FF2B5EF4-FFF2-40B4-BE49-F238E27FC236}">
-                <a16:creationId xmlns:a16="http://schemas.microsoft.com/office/drawing/2014/main" id="{1AA494AA-436A-8766-3692-BB3BC017FEF3}"/>
-              </a:ext>
-            </a:extLst>
-          </p:cNvPr>
-          <p:cNvSpPr txBox="1"/>
-          <p:nvPr/>
-        </p:nvSpPr>
-        <p:spPr>
-          <a:xfrm>
-            <a:off x="5094428" y="3100661"/>
-            <a:ext cx="2815451" cy="369332"/>
-          </a:xfrm>
-          <a:prstGeom prst="rect">
-            <a:avLst/>
-          </a:prstGeom>
-          <a:noFill/>
-        </p:spPr>
-        <p:txBody>
-          <a:bodyPr wrap="none" rtlCol="0">
-            <a:spAutoFit/>
-          </a:bodyPr>
-          <a:lstStyle/>
-          <a:p>
-            <a:r>
-              <a:rPr lang="en-IE" dirty="0"/>
-              <a:t>Integration with Dell service</a:t>
-            </a:r>
-            <a:endParaRPr lang="en-IN" dirty="0"/>
-          </a:p>
-        </p:txBody>
-      </p:sp>
     </p:spTree>
     <p:extLst>
       <p:ext uri="{BB962C8B-B14F-4D97-AF65-F5344CB8AC3E}">
